--- a/Flutter_Back4App_Presentation_2023TM93671.pptx
+++ b/Flutter_Back4App_Presentation_2023TM93671.pptx
@@ -578,7 +578,7 @@
             </a:ln>
             <a:extLst>
               <a:ext uri="{91240B29-F687-4f45-9708-019B960494DF}">
-                <a14:hiddenLine xmlns:a14="http://schemas.microsoft.com/office/drawing/2010/main" xmlns="" w="9525">
+                <a14:hiddenLine xmlns="" xmlns:a14="http://schemas.microsoft.com/office/drawing/2010/main" w="9525">
                   <a:solidFill>
                     <a:srgbClr val="000000"/>
                   </a:solidFill>
@@ -1659,7 +1659,7 @@
             </a:ln>
             <a:extLst>
               <a:ext uri="{91240B29-F687-4f45-9708-019B960494DF}">
-                <a14:hiddenLine xmlns:a14="http://schemas.microsoft.com/office/drawing/2010/main" xmlns="" w="9525">
+                <a14:hiddenLine xmlns="" xmlns:a14="http://schemas.microsoft.com/office/drawing/2010/main" w="9525">
                   <a:solidFill>
                     <a:srgbClr val="000000"/>
                   </a:solidFill>
@@ -2745,7 +2745,7 @@
             </a:ln>
             <a:extLst>
               <a:ext uri="{91240B29-F687-4f45-9708-019B960494DF}">
-                <a14:hiddenLine xmlns:a14="http://schemas.microsoft.com/office/drawing/2010/main" xmlns="" w="9525">
+                <a14:hiddenLine xmlns="" xmlns:a14="http://schemas.microsoft.com/office/drawing/2010/main" w="9525">
                   <a:solidFill>
                     <a:srgbClr val="000000"/>
                   </a:solidFill>
@@ -3706,7 +3706,7 @@
             </a:ln>
             <a:extLst>
               <a:ext uri="{91240B29-F687-4f45-9708-019B960494DF}">
-                <a14:hiddenLine xmlns:a14="http://schemas.microsoft.com/office/drawing/2010/main" xmlns="" w="9525">
+                <a14:hiddenLine xmlns="" xmlns:a14="http://schemas.microsoft.com/office/drawing/2010/main" w="9525">
                   <a:solidFill>
                     <a:srgbClr val="000000"/>
                   </a:solidFill>
@@ -4821,7 +4821,7 @@
             </a:ln>
             <a:extLst>
               <a:ext uri="{91240B29-F687-4f45-9708-019B960494DF}">
-                <a14:hiddenLine xmlns:a14="http://schemas.microsoft.com/office/drawing/2010/main" xmlns="" w="9525">
+                <a14:hiddenLine xmlns="" xmlns:a14="http://schemas.microsoft.com/office/drawing/2010/main" w="9525">
                   <a:solidFill>
                     <a:srgbClr val="000000"/>
                   </a:solidFill>
@@ -7570,7 +7570,7 @@
           </a:ln>
           <a:extLst>
             <a:ext uri="{91240B29-F687-4f45-9708-019B960494DF}">
-              <a14:hiddenLine xmlns:a14="http://schemas.microsoft.com/office/drawing/2010/main" xmlns="" w="9525">
+              <a14:hiddenLine xmlns="" xmlns:a14="http://schemas.microsoft.com/office/drawing/2010/main" w="9525">
                 <a:solidFill>
                   <a:srgbClr val="000000"/>
                 </a:solidFill>
@@ -8745,7 +8745,7 @@
             </a:ln>
             <a:extLst>
               <a:ext uri="{91240B29-F687-4f45-9708-019B960494DF}">
-                <a14:hiddenLine xmlns:a14="http://schemas.microsoft.com/office/drawing/2010/main" xmlns="" w="9525">
+                <a14:hiddenLine xmlns="" xmlns:a14="http://schemas.microsoft.com/office/drawing/2010/main" w="9525">
                   <a:solidFill>
                     <a:srgbClr val="000000"/>
                   </a:solidFill>
@@ -10713,7 +10713,7 @@
             </a:ln>
             <a:extLst>
               <a:ext uri="{91240B29-F687-4f45-9708-019B960494DF}">
-                <a14:hiddenLine xmlns:a14="http://schemas.microsoft.com/office/drawing/2010/main" xmlns="" w="9525">
+                <a14:hiddenLine xmlns="" xmlns:a14="http://schemas.microsoft.com/office/drawing/2010/main" w="9525">
                   <a:solidFill>
                     <a:srgbClr val="000000"/>
                   </a:solidFill>
@@ -11771,7 +11771,7 @@
             </a:ln>
             <a:extLst>
               <a:ext uri="{91240B29-F687-4f45-9708-019B960494DF}">
-                <a14:hiddenLine xmlns:a14="http://schemas.microsoft.com/office/drawing/2010/main" xmlns="" w="9525">
+                <a14:hiddenLine xmlns="" xmlns:a14="http://schemas.microsoft.com/office/drawing/2010/main" w="9525">
                   <a:solidFill>
                     <a:srgbClr val="000000"/>
                   </a:solidFill>
@@ -12821,7 +12821,7 @@
             </a:ln>
             <a:extLst>
               <a:ext uri="{91240B29-F687-4f45-9708-019B960494DF}">
-                <a14:hiddenLine xmlns:a14="http://schemas.microsoft.com/office/drawing/2010/main" xmlns="" w="9525">
+                <a14:hiddenLine xmlns="" xmlns:a14="http://schemas.microsoft.com/office/drawing/2010/main" w="9525">
                   <a:solidFill>
                     <a:srgbClr val="000000"/>
                   </a:solidFill>
@@ -15688,7 +15688,7 @@
               <a:rPr lang="en-US" sz="3600" dirty="0">
                 <a:latin typeface="Arial" panose="020B0604020202020204" pitchFamily="34" charset="0"/>
                 <a:cs typeface="Arial" panose="020B0604020202020204" pitchFamily="34" charset="0"/>
-                <a:hlinkClick r:id="rId3" action="ppaction://hlinkfile"/>
+                <a:hlinkClick r:id="rId3"/>
               </a:rPr>
               <a:t>YouTube</a:t>
             </a:r>
